--- a/presentations/03_Regresyon_Giriş_Varyans_Std_Ortalama_Korelasyon++.pptx
+++ b/presentations/03_Regresyon_Giriş_Varyans_Std_Ortalama_Korelasyon++.pptx
@@ -164,6 +164,38 @@
             <ac:cxnSpMk id="47" creationId="{A014E42C-69D4-4A37-821C-4156695F3E8E}"/>
           </ac:cxnSpMkLst>
         </pc:cxnChg>
+      </pc:sldChg>
+    </pc:docChg>
+  </pc:docChgLst>
+  <pc:docChgLst>
+    <pc:chgData name="Erkan ŞİRİN" userId="7f10ce1d6aaf8c5d" providerId="LiveId" clId="{6444AFD5-8B15-4148-A0DA-12E9B5E4D0EE}"/>
+    <pc:docChg chg="custSel modSld">
+      <pc:chgData name="Erkan ŞİRİN" userId="7f10ce1d6aaf8c5d" providerId="LiveId" clId="{6444AFD5-8B15-4148-A0DA-12E9B5E4D0EE}" dt="2019-05-30T09:44:08.871" v="29" actId="20577"/>
+      <pc:docMkLst>
+        <pc:docMk/>
+      </pc:docMkLst>
+      <pc:sldChg chg="modSp">
+        <pc:chgData name="Erkan ŞİRİN" userId="7f10ce1d6aaf8c5d" providerId="LiveId" clId="{6444AFD5-8B15-4148-A0DA-12E9B5E4D0EE}" dt="2019-05-30T09:44:08.871" v="29" actId="20577"/>
+        <pc:sldMkLst>
+          <pc:docMk/>
+          <pc:sldMk cId="2954022992" sldId="284"/>
+        </pc:sldMkLst>
+        <pc:spChg chg="mod">
+          <ac:chgData name="Erkan ŞİRİN" userId="7f10ce1d6aaf8c5d" providerId="LiveId" clId="{6444AFD5-8B15-4148-A0DA-12E9B5E4D0EE}" dt="2019-05-30T09:43:39.926" v="2" actId="20577"/>
+          <ac:spMkLst>
+            <pc:docMk/>
+            <pc:sldMk cId="2954022992" sldId="284"/>
+            <ac:spMk id="13" creationId="{AEB3B207-80EB-458C-90BD-41487B5E0D04}"/>
+          </ac:spMkLst>
+        </pc:spChg>
+        <pc:spChg chg="mod">
+          <ac:chgData name="Erkan ŞİRİN" userId="7f10ce1d6aaf8c5d" providerId="LiveId" clId="{6444AFD5-8B15-4148-A0DA-12E9B5E4D0EE}" dt="2019-05-30T09:44:08.871" v="29" actId="20577"/>
+          <ac:spMkLst>
+            <pc:docMk/>
+            <pc:sldMk cId="2954022992" sldId="284"/>
+            <ac:spMk id="17" creationId="{25DC4E4F-92DD-4028-A1FC-7C9D3EC78AFC}"/>
+          </ac:spMkLst>
+        </pc:spChg>
       </pc:sldChg>
     </pc:docChg>
   </pc:docChgLst>
@@ -487,7 +519,7 @@
           <a:p>
             <a:fld id="{6F77F576-AE14-466D-AA6B-335273622B21}" type="datetimeFigureOut">
               <a:rPr lang="en-US" smtClean="0"/>
-              <a:t>5/10/2019</a:t>
+              <a:t>5/30/2019</a:t>
             </a:fld>
             <a:endParaRPr lang="en-US"/>
           </a:p>
@@ -886,7 +918,7 @@
           <a:p>
             <a:fld id="{54AA066D-271F-4C1A-B89A-0705A7689EE9}" type="datetimeFigureOut">
               <a:rPr lang="en-US" smtClean="0"/>
-              <a:t>5/10/2019</a:t>
+              <a:t>5/30/2019</a:t>
             </a:fld>
             <a:endParaRPr lang="en-US"/>
           </a:p>
@@ -1056,7 +1088,7 @@
           <a:p>
             <a:fld id="{54AA066D-271F-4C1A-B89A-0705A7689EE9}" type="datetimeFigureOut">
               <a:rPr lang="en-US" smtClean="0"/>
-              <a:t>5/10/2019</a:t>
+              <a:t>5/30/2019</a:t>
             </a:fld>
             <a:endParaRPr lang="en-US"/>
           </a:p>
@@ -1236,7 +1268,7 @@
           <a:p>
             <a:fld id="{54AA066D-271F-4C1A-B89A-0705A7689EE9}" type="datetimeFigureOut">
               <a:rPr lang="en-US" smtClean="0"/>
-              <a:t>5/10/2019</a:t>
+              <a:t>5/30/2019</a:t>
             </a:fld>
             <a:endParaRPr lang="en-US"/>
           </a:p>
@@ -1406,7 +1438,7 @@
           <a:p>
             <a:fld id="{54AA066D-271F-4C1A-B89A-0705A7689EE9}" type="datetimeFigureOut">
               <a:rPr lang="en-US" smtClean="0"/>
-              <a:t>5/10/2019</a:t>
+              <a:t>5/30/2019</a:t>
             </a:fld>
             <a:endParaRPr lang="en-US"/>
           </a:p>
@@ -1652,7 +1684,7 @@
           <a:p>
             <a:fld id="{54AA066D-271F-4C1A-B89A-0705A7689EE9}" type="datetimeFigureOut">
               <a:rPr lang="en-US" smtClean="0"/>
-              <a:t>5/10/2019</a:t>
+              <a:t>5/30/2019</a:t>
             </a:fld>
             <a:endParaRPr lang="en-US"/>
           </a:p>
@@ -1884,7 +1916,7 @@
           <a:p>
             <a:fld id="{54AA066D-271F-4C1A-B89A-0705A7689EE9}" type="datetimeFigureOut">
               <a:rPr lang="en-US" smtClean="0"/>
-              <a:t>5/10/2019</a:t>
+              <a:t>5/30/2019</a:t>
             </a:fld>
             <a:endParaRPr lang="en-US"/>
           </a:p>
@@ -2251,7 +2283,7 @@
           <a:p>
             <a:fld id="{54AA066D-271F-4C1A-B89A-0705A7689EE9}" type="datetimeFigureOut">
               <a:rPr lang="en-US" smtClean="0"/>
-              <a:t>5/10/2019</a:t>
+              <a:t>5/30/2019</a:t>
             </a:fld>
             <a:endParaRPr lang="en-US"/>
           </a:p>
@@ -2369,7 +2401,7 @@
           <a:p>
             <a:fld id="{54AA066D-271F-4C1A-B89A-0705A7689EE9}" type="datetimeFigureOut">
               <a:rPr lang="en-US" smtClean="0"/>
-              <a:t>5/10/2019</a:t>
+              <a:t>5/30/2019</a:t>
             </a:fld>
             <a:endParaRPr lang="en-US"/>
           </a:p>
@@ -2464,7 +2496,7 @@
           <a:p>
             <a:fld id="{54AA066D-271F-4C1A-B89A-0705A7689EE9}" type="datetimeFigureOut">
               <a:rPr lang="en-US" smtClean="0"/>
-              <a:t>5/10/2019</a:t>
+              <a:t>5/30/2019</a:t>
             </a:fld>
             <a:endParaRPr lang="en-US"/>
           </a:p>
@@ -2741,7 +2773,7 @@
           <a:p>
             <a:fld id="{54AA066D-271F-4C1A-B89A-0705A7689EE9}" type="datetimeFigureOut">
               <a:rPr lang="en-US" smtClean="0"/>
-              <a:t>5/10/2019</a:t>
+              <a:t>5/30/2019</a:t>
             </a:fld>
             <a:endParaRPr lang="en-US"/>
           </a:p>
@@ -2994,7 +3026,7 @@
           <a:p>
             <a:fld id="{54AA066D-271F-4C1A-B89A-0705A7689EE9}" type="datetimeFigureOut">
               <a:rPr lang="en-US" smtClean="0"/>
-              <a:t>5/10/2019</a:t>
+              <a:t>5/30/2019</a:t>
             </a:fld>
             <a:endParaRPr lang="en-US"/>
           </a:p>
@@ -3207,7 +3239,7 @@
           <a:p>
             <a:fld id="{54AA066D-271F-4C1A-B89A-0705A7689EE9}" type="datetimeFigureOut">
               <a:rPr lang="en-US" smtClean="0"/>
-              <a:t>5/10/2019</a:t>
+              <a:t>5/30/2019</a:t>
             </a:fld>
             <a:endParaRPr lang="en-US"/>
           </a:p>
@@ -19485,7 +19517,7 @@
                 <a:ea typeface="Verdana" panose="020B0604030504040204" pitchFamily="34" charset="0"/>
                 <a:cs typeface="Arial" panose="020B0604020202020204" pitchFamily="34" charset="0"/>
               </a:rPr>
-              <a:t>Modelin veriye uydurulması en küçük kareler yöntemi ile yapılır. (RMSE)</a:t>
+              <a:t>Modelin veriye uydurulması en küçük kareler yöntemi ile yapılır. (OLS)</a:t>
             </a:r>
             <a:endParaRPr lang="en-US" sz="2800" b="1" dirty="0">
               <a:solidFill>
@@ -19567,8 +19599,8 @@
           </a:p>
         </p:txBody>
       </p:sp>
-      <mc:AlternateContent xmlns:mc="http://schemas.openxmlformats.org/markup-compatibility/2006" xmlns:a14="http://schemas.microsoft.com/office/drawing/2010/main">
-        <mc:Choice Requires="a14">
+      <mc:AlternateContent xmlns:mc="http://schemas.openxmlformats.org/markup-compatibility/2006">
+        <mc:Choice xmlns:a14="http://schemas.microsoft.com/office/drawing/2010/main" Requires="a14">
           <p:sp>
             <p:nvSpPr>
               <p:cNvPr id="17" name="Unvan 1">
@@ -19594,7 +19626,7 @@
             </p:spPr>
             <p:txBody>
               <a:bodyPr vert="horz" lIns="91440" tIns="45720" rIns="91440" bIns="45720" rtlCol="0" anchor="b">
-                <a:normAutofit/>
+                <a:normAutofit fontScale="85000" lnSpcReduction="10000"/>
               </a:bodyPr>
               <a:lstStyle>
                 <a:lvl1pPr algn="ctr" defTabSz="914400" rtl="0" eaLnBrk="1" latinLnBrk="0" hangingPunct="1">
@@ -19680,7 +19712,7 @@
                     <a:ea typeface="Verdana" panose="020B0604030504040204" pitchFamily="34" charset="0"/>
                     <a:cs typeface="Arial" panose="020B0604020202020204" pitchFamily="34" charset="0"/>
                   </a:rPr>
-                  <a:t> ölçülür.</a:t>
+                  <a:t>, RMSE gibi metriklerle ölçülür.</a:t>
                 </a:r>
                 <a:endParaRPr lang="en-US" sz="2800" b="1" dirty="0">
                   <a:solidFill>
@@ -19694,7 +19726,7 @@
             </p:txBody>
           </p:sp>
         </mc:Choice>
-        <mc:Fallback xmlns="">
+        <mc:Fallback>
           <p:sp>
             <p:nvSpPr>
               <p:cNvPr id="17" name="Unvan 1">
@@ -19718,9 +19750,9 @@
                 <a:avLst/>
               </a:prstGeom>
               <a:blipFill>
-                <a:blip r:embed="rId3"/>
+                <a:blip r:embed="rId2"/>
                 <a:stretch>
-                  <a:fillRect t="-5556" b="-31111"/>
+                  <a:fillRect b="-26667"/>
                 </a:stretch>
               </a:blipFill>
             </p:spPr>
